--- a/slides/MiCM Workshop - Intro to Python (Part 1).pptx
+++ b/slides/MiCM Workshop - Intro to Python (Part 1).pptx
@@ -5457,7 +5457,7 @@
           <a:p>
             <a:fld id="{217E5156-1B5D-054E-B5B2-E1B1BA160252}" type="datetimeFigureOut">
               <a:rPr lang="fr-FR" smtClean="0"/>
-              <a:t>16/02/2024</a:t>
+              <a:t>11/07/2024</a:t>
             </a:fld>
             <a:endParaRPr lang="fr-FR"/>
           </a:p>
@@ -8314,7 +8314,7 @@
               <a:rPr lang="en-CA" sz="1800" dirty="0">
                 <a:latin typeface="Helvetica Light"/>
               </a:rPr>
-              <a:t>Workshop Lead: Benjamin Rudski</a:t>
+              <a:t>Workshop Lead: Benjamin Z. Rudski</a:t>
             </a:r>
             <a:endParaRPr lang="en-CA" dirty="0">
               <a:latin typeface="Helvetica Light"/>
@@ -8354,7 +8354,7 @@
               <a:rPr lang="en-CA" sz="1800" dirty="0">
                 <a:latin typeface="Helvetica Light"/>
               </a:rPr>
-              <a:t>Date: February 20, 2024</a:t>
+              <a:t>Date: July 16, 2024</a:t>
             </a:r>
             <a:endParaRPr lang="en-CA" sz="1800" dirty="0">
               <a:latin typeface="Helvetica Light" panose="020B0403020202020204" pitchFamily="34" charset="0"/>
@@ -12482,7 +12482,7 @@
       </p:pic>
       <p:pic>
         <p:nvPicPr>
-          <p:cNvPr id="5" name="Picture 4" descr="A qr code with black squares&#10;&#10;Description automatically generated">
+          <p:cNvPr id="5" name="Picture 4">
             <a:extLst>
               <a:ext uri="{FF2B5EF4-FFF2-40B4-BE49-F238E27FC236}">
                 <a16:creationId xmlns:a16="http://schemas.microsoft.com/office/drawing/2014/main" id="{ED21FF63-C3A3-5474-C983-875579D1C471}"/>
@@ -12496,9 +12496,8 @@
         </p:nvPicPr>
         <p:blipFill>
           <a:blip r:embed="rId5"/>
-          <a:stretch>
-            <a:fillRect/>
-          </a:stretch>
+          <a:srcRect/>
+          <a:stretch/>
         </p:blipFill>
         <p:spPr>
           <a:xfrm>
@@ -12903,7 +12902,7 @@
       </p:sp>
       <p:pic>
         <p:nvPicPr>
-          <p:cNvPr id="4" name="Picture 3" descr="A screenshot of a computer&#10;&#10;Description automatically generated">
+          <p:cNvPr id="4" name="Picture 3">
             <a:extLst>
               <a:ext uri="{FF2B5EF4-FFF2-40B4-BE49-F238E27FC236}">
                 <a16:creationId xmlns:a16="http://schemas.microsoft.com/office/drawing/2014/main" id="{B73F19DF-CC62-7C0C-6BE5-5E0FDD57F9E4}"/>
@@ -12917,14 +12916,13 @@
         </p:nvPicPr>
         <p:blipFill>
           <a:blip r:embed="rId3"/>
-          <a:stretch>
-            <a:fillRect/>
-          </a:stretch>
+          <a:srcRect/>
+          <a:stretch/>
         </p:blipFill>
         <p:spPr>
           <a:xfrm>
-            <a:off x="1035832" y="1950154"/>
-            <a:ext cx="7421011" cy="4182059"/>
+            <a:off x="1918398" y="1950154"/>
+            <a:ext cx="5655879" cy="4182059"/>
           </a:xfrm>
           <a:prstGeom prst="rect">
             <a:avLst/>
@@ -12945,7 +12943,7 @@
         </p:nvSpPr>
         <p:spPr>
           <a:xfrm>
-            <a:off x="1674691" y="1303823"/>
+            <a:off x="1322773" y="1303823"/>
             <a:ext cx="6498455" cy="646331"/>
           </a:xfrm>
           <a:prstGeom prst="rect">
@@ -12961,7 +12959,7 @@
           <a:p>
             <a:r>
               <a:rPr lang="en-CA" sz="3600" b="1" dirty="0"/>
-              <a:t>Winter 2024 Workshop Series</a:t>
+              <a:t>Summer 2024 Workshop Series</a:t>
             </a:r>
           </a:p>
         </p:txBody>
@@ -13066,7 +13064,7 @@
           <a:p>
             <a:r>
               <a:rPr lang="en-US" dirty="0"/>
-              <a:t>Third-year PhD student in Quantitative Life Sciences (QLS)</a:t>
+              <a:t>Third-year PhD candidate in Quantitative Life Sciences (QLS)</a:t>
             </a:r>
           </a:p>
           <a:p>

--- a/slides/MiCM Workshop - Intro to Python (Part 1).pptx
+++ b/slides/MiCM Workshop - Intro to Python (Part 1).pptx
@@ -5,7 +5,7 @@
     <p:sldMasterId id="2147483660" r:id="rId1"/>
   </p:sldMasterIdLst>
   <p:notesMasterIdLst>
-    <p:notesMasterId r:id="rId19"/>
+    <p:notesMasterId r:id="rId18"/>
   </p:notesMasterIdLst>
   <p:sldIdLst>
     <p:sldId id="316" r:id="rId2"/>
@@ -24,7 +24,6 @@
     <p:sldId id="329" r:id="rId15"/>
     <p:sldId id="354" r:id="rId16"/>
     <p:sldId id="340" r:id="rId17"/>
-    <p:sldId id="318" r:id="rId18"/>
   </p:sldIdLst>
   <p:sldSz cx="9144000" cy="6858000" type="screen4x3"/>
   <p:notesSz cx="6858000" cy="9144000"/>
@@ -5457,7 +5456,7 @@
           <a:p>
             <a:fld id="{217E5156-1B5D-054E-B5B2-E1B1BA160252}" type="datetimeFigureOut">
               <a:rPr lang="fr-FR" smtClean="0"/>
-              <a:t>11/07/2024</a:t>
+              <a:t>13/07/2024</a:t>
             </a:fld>
             <a:endParaRPr lang="fr-FR"/>
           </a:p>
@@ -12042,483 +12041,6 @@
       </p:transition>
     </mc:Fallback>
   </mc:AlternateContent>
-</p:sld>
-</file>
-
-<file path=ppt/slides/slide17.xml><?xml version="1.0" encoding="utf-8"?>
-<p:sld xmlns:a="http://schemas.openxmlformats.org/drawingml/2006/main" xmlns:r="http://schemas.openxmlformats.org/officeDocument/2006/relationships" xmlns:p="http://schemas.openxmlformats.org/presentationml/2006/main">
-  <p:cSld>
-    <p:spTree>
-      <p:nvGrpSpPr>
-        <p:cNvPr id="1" name=""/>
-        <p:cNvGrpSpPr/>
-        <p:nvPr/>
-      </p:nvGrpSpPr>
-      <p:grpSpPr>
-        <a:xfrm>
-          <a:off x="0" y="0"/>
-          <a:ext cx="0" cy="0"/>
-          <a:chOff x="0" y="0"/>
-          <a:chExt cx="0" cy="0"/>
-        </a:xfrm>
-      </p:grpSpPr>
-      <p:sp>
-        <p:nvSpPr>
-          <p:cNvPr id="2" name="Title 1">
-            <a:extLst>
-              <a:ext uri="{FF2B5EF4-FFF2-40B4-BE49-F238E27FC236}">
-                <a16:creationId xmlns:a16="http://schemas.microsoft.com/office/drawing/2014/main" id="{E03CDE7B-F6E0-3F35-CA16-9CBD538BDDC8}"/>
-              </a:ext>
-            </a:extLst>
-          </p:cNvPr>
-          <p:cNvSpPr>
-            <a:spLocks noGrp="1"/>
-          </p:cNvSpPr>
-          <p:nvPr>
-            <p:ph type="title"/>
-          </p:nvPr>
-        </p:nvSpPr>
-        <p:spPr/>
-        <p:txBody>
-          <a:bodyPr/>
-          <a:lstStyle/>
-          <a:p>
-            <a:pPr algn="ctr"/>
-            <a:r>
-              <a:rPr lang="en-CA">
-                <a:latin typeface="Helvetica" pitchFamily="2" charset="0"/>
-              </a:rPr>
-              <a:t>Thank you for attending!</a:t>
-            </a:r>
-          </a:p>
-        </p:txBody>
-      </p:sp>
-      <p:sp>
-        <p:nvSpPr>
-          <p:cNvPr id="4" name="TextBox 3">
-            <a:extLst>
-              <a:ext uri="{FF2B5EF4-FFF2-40B4-BE49-F238E27FC236}">
-                <a16:creationId xmlns:a16="http://schemas.microsoft.com/office/drawing/2014/main" id="{C55CD7EF-C880-CBCD-398D-7E3BB5D5062C}"/>
-              </a:ext>
-            </a:extLst>
-          </p:cNvPr>
-          <p:cNvSpPr txBox="1"/>
-          <p:nvPr/>
-        </p:nvSpPr>
-        <p:spPr>
-          <a:xfrm>
-            <a:off x="540553" y="5081109"/>
-            <a:ext cx="2236304" cy="830997"/>
-          </a:xfrm>
-          <a:prstGeom prst="rect">
-            <a:avLst/>
-          </a:prstGeom>
-          <a:noFill/>
-        </p:spPr>
-        <p:txBody>
-          <a:bodyPr wrap="square" rtlCol="0">
-            <a:spAutoFit/>
-          </a:bodyPr>
-          <a:lstStyle/>
-          <a:p>
-            <a:pPr marL="9525" lvl="1" algn="ctr"/>
-            <a:r>
-              <a:rPr lang="en-CA" sz="1600">
-                <a:latin typeface="Helvetica" pitchFamily="2" charset="0"/>
-              </a:rPr>
-              <a:t>Scan the QR code to confirm you attended today’s workshop.</a:t>
-            </a:r>
-          </a:p>
-        </p:txBody>
-      </p:sp>
-      <p:sp>
-        <p:nvSpPr>
-          <p:cNvPr id="6" name="TextBox 5">
-            <a:extLst>
-              <a:ext uri="{FF2B5EF4-FFF2-40B4-BE49-F238E27FC236}">
-                <a16:creationId xmlns:a16="http://schemas.microsoft.com/office/drawing/2014/main" id="{B779A3F8-F204-0C4B-8C60-EB9078FAF391}"/>
-              </a:ext>
-            </a:extLst>
-          </p:cNvPr>
-          <p:cNvSpPr txBox="1"/>
-          <p:nvPr/>
-        </p:nvSpPr>
-        <p:spPr>
-          <a:xfrm>
-            <a:off x="3555521" y="5087164"/>
-            <a:ext cx="1866473" cy="830997"/>
-          </a:xfrm>
-          <a:prstGeom prst="rect">
-            <a:avLst/>
-          </a:prstGeom>
-          <a:noFill/>
-        </p:spPr>
-        <p:txBody>
-          <a:bodyPr wrap="square">
-            <a:spAutoFit/>
-          </a:bodyPr>
-          <a:lstStyle/>
-          <a:p>
-            <a:pPr algn="ctr"/>
-            <a:r>
-              <a:rPr lang="en-CA" sz="1600">
-                <a:latin typeface="Helvetica" pitchFamily="2" charset="0"/>
-              </a:rPr>
-              <a:t>Fill out the feedback survey in the next 72h. </a:t>
-            </a:r>
-          </a:p>
-        </p:txBody>
-      </p:sp>
-      <p:sp>
-        <p:nvSpPr>
-          <p:cNvPr id="7" name="TextBox 6">
-            <a:extLst>
-              <a:ext uri="{FF2B5EF4-FFF2-40B4-BE49-F238E27FC236}">
-                <a16:creationId xmlns:a16="http://schemas.microsoft.com/office/drawing/2014/main" id="{5B857086-E9A2-1558-824A-80776B62AF2C}"/>
-              </a:ext>
-            </a:extLst>
-          </p:cNvPr>
-          <p:cNvSpPr txBox="1"/>
-          <p:nvPr/>
-        </p:nvSpPr>
-        <p:spPr>
-          <a:xfrm>
-            <a:off x="5970821" y="5081109"/>
-            <a:ext cx="2695988" cy="830997"/>
-          </a:xfrm>
-          <a:prstGeom prst="rect">
-            <a:avLst/>
-          </a:prstGeom>
-          <a:noFill/>
-        </p:spPr>
-        <p:txBody>
-          <a:bodyPr wrap="square">
-            <a:spAutoFit/>
-          </a:bodyPr>
-          <a:lstStyle/>
-          <a:p>
-            <a:pPr algn="ctr"/>
-            <a:r>
-              <a:rPr lang="en-CA" sz="1600">
-                <a:latin typeface="Helvetica" pitchFamily="2" charset="0"/>
-              </a:rPr>
-              <a:t>Get recognition for this workshop on your </a:t>
-            </a:r>
-          </a:p>
-          <a:p>
-            <a:pPr algn="ctr"/>
-            <a:r>
-              <a:rPr lang="en-CA" sz="1600">
-                <a:latin typeface="Helvetica" pitchFamily="2" charset="0"/>
-              </a:rPr>
-              <a:t>co-curricular record. </a:t>
-            </a:r>
-          </a:p>
-        </p:txBody>
-      </p:sp>
-      <p:sp>
-        <p:nvSpPr>
-          <p:cNvPr id="10" name="Oval 9">
-            <a:extLst>
-              <a:ext uri="{FF2B5EF4-FFF2-40B4-BE49-F238E27FC236}">
-                <a16:creationId xmlns:a16="http://schemas.microsoft.com/office/drawing/2014/main" id="{41CD90ED-F12C-DA32-1A84-EF0356FB7921}"/>
-              </a:ext>
-            </a:extLst>
-          </p:cNvPr>
-          <p:cNvSpPr>
-            <a:spLocks noChangeAspect="1"/>
-          </p:cNvSpPr>
-          <p:nvPr/>
-        </p:nvSpPr>
-        <p:spPr>
-          <a:xfrm>
-            <a:off x="1298705" y="1853639"/>
-            <a:ext cx="720000" cy="686283"/>
-          </a:xfrm>
-          <a:prstGeom prst="ellipse">
-            <a:avLst/>
-          </a:prstGeom>
-          <a:solidFill>
-            <a:srgbClr val="13A89E">
-              <a:alpha val="49412"/>
-            </a:srgbClr>
-          </a:solidFill>
-          <a:ln>
-            <a:noFill/>
-          </a:ln>
-        </p:spPr>
-        <p:style>
-          <a:lnRef idx="2">
-            <a:schemeClr val="accent1">
-              <a:shade val="15000"/>
-            </a:schemeClr>
-          </a:lnRef>
-          <a:fillRef idx="1">
-            <a:schemeClr val="accent1"/>
-          </a:fillRef>
-          <a:effectRef idx="0">
-            <a:schemeClr val="accent1"/>
-          </a:effectRef>
-          <a:fontRef idx="minor">
-            <a:schemeClr val="lt1"/>
-          </a:fontRef>
-        </p:style>
-        <p:txBody>
-          <a:bodyPr rtlCol="0" anchor="ctr"/>
-          <a:lstStyle/>
-          <a:p>
-            <a:pPr algn="ctr"/>
-            <a:r>
-              <a:rPr lang="en-US">
-                <a:latin typeface="Helvetica" pitchFamily="2" charset="0"/>
-              </a:rPr>
-              <a:t>1</a:t>
-            </a:r>
-          </a:p>
-        </p:txBody>
-      </p:sp>
-      <p:sp>
-        <p:nvSpPr>
-          <p:cNvPr id="11" name="Oval 10">
-            <a:extLst>
-              <a:ext uri="{FF2B5EF4-FFF2-40B4-BE49-F238E27FC236}">
-                <a16:creationId xmlns:a16="http://schemas.microsoft.com/office/drawing/2014/main" id="{1B79FEFC-04D4-EE23-8047-B09F61F389B0}"/>
-              </a:ext>
-            </a:extLst>
-          </p:cNvPr>
-          <p:cNvSpPr>
-            <a:spLocks noChangeAspect="1"/>
-          </p:cNvSpPr>
-          <p:nvPr/>
-        </p:nvSpPr>
-        <p:spPr>
-          <a:xfrm>
-            <a:off x="4128760" y="1853639"/>
-            <a:ext cx="720000" cy="686283"/>
-          </a:xfrm>
-          <a:prstGeom prst="ellipse">
-            <a:avLst/>
-          </a:prstGeom>
-          <a:solidFill>
-            <a:srgbClr val="13A89E">
-              <a:alpha val="74902"/>
-            </a:srgbClr>
-          </a:solidFill>
-          <a:ln>
-            <a:noFill/>
-          </a:ln>
-        </p:spPr>
-        <p:style>
-          <a:lnRef idx="2">
-            <a:schemeClr val="accent1">
-              <a:shade val="15000"/>
-            </a:schemeClr>
-          </a:lnRef>
-          <a:fillRef idx="1">
-            <a:schemeClr val="accent1"/>
-          </a:fillRef>
-          <a:effectRef idx="0">
-            <a:schemeClr val="accent1"/>
-          </a:effectRef>
-          <a:fontRef idx="minor">
-            <a:schemeClr val="lt1"/>
-          </a:fontRef>
-        </p:style>
-        <p:txBody>
-          <a:bodyPr rtlCol="0" anchor="ctr"/>
-          <a:lstStyle/>
-          <a:p>
-            <a:pPr algn="ctr"/>
-            <a:r>
-              <a:rPr lang="en-US">
-                <a:latin typeface="Helvetica" pitchFamily="2" charset="0"/>
-              </a:rPr>
-              <a:t>2</a:t>
-            </a:r>
-          </a:p>
-        </p:txBody>
-      </p:sp>
-      <p:sp>
-        <p:nvSpPr>
-          <p:cNvPr id="12" name="Oval 11">
-            <a:extLst>
-              <a:ext uri="{FF2B5EF4-FFF2-40B4-BE49-F238E27FC236}">
-                <a16:creationId xmlns:a16="http://schemas.microsoft.com/office/drawing/2014/main" id="{B755A2CE-36C7-7C3A-E3EF-94EBD356F86C}"/>
-              </a:ext>
-            </a:extLst>
-          </p:cNvPr>
-          <p:cNvSpPr>
-            <a:spLocks noChangeAspect="1"/>
-          </p:cNvSpPr>
-          <p:nvPr/>
-        </p:nvSpPr>
-        <p:spPr>
-          <a:xfrm>
-            <a:off x="6958815" y="1837130"/>
-            <a:ext cx="720000" cy="686283"/>
-          </a:xfrm>
-          <a:prstGeom prst="ellipse">
-            <a:avLst/>
-          </a:prstGeom>
-          <a:solidFill>
-            <a:srgbClr val="13A89E"/>
-          </a:solidFill>
-          <a:ln>
-            <a:noFill/>
-          </a:ln>
-        </p:spPr>
-        <p:style>
-          <a:lnRef idx="2">
-            <a:schemeClr val="accent1">
-              <a:shade val="15000"/>
-            </a:schemeClr>
-          </a:lnRef>
-          <a:fillRef idx="1">
-            <a:schemeClr val="accent1"/>
-          </a:fillRef>
-          <a:effectRef idx="0">
-            <a:schemeClr val="accent1"/>
-          </a:effectRef>
-          <a:fontRef idx="minor">
-            <a:schemeClr val="lt1"/>
-          </a:fontRef>
-        </p:style>
-        <p:txBody>
-          <a:bodyPr rtlCol="0" anchor="ctr"/>
-          <a:lstStyle/>
-          <a:p>
-            <a:pPr algn="ctr"/>
-            <a:r>
-              <a:rPr lang="en-US">
-                <a:latin typeface="Helvetica" pitchFamily="2" charset="0"/>
-              </a:rPr>
-              <a:t>3</a:t>
-            </a:r>
-          </a:p>
-        </p:txBody>
-      </p:sp>
-      <p:pic>
-        <p:nvPicPr>
-          <p:cNvPr id="14" name="Graphic 13" descr="Clipboard with solid fill">
-            <a:extLst>
-              <a:ext uri="{FF2B5EF4-FFF2-40B4-BE49-F238E27FC236}">
-                <a16:creationId xmlns:a16="http://schemas.microsoft.com/office/drawing/2014/main" id="{060FE140-39DA-6155-D659-8C3C8FEDECAE}"/>
-              </a:ext>
-            </a:extLst>
-          </p:cNvPr>
-          <p:cNvPicPr>
-            <a:picLocks noChangeAspect="1"/>
-          </p:cNvPicPr>
-          <p:nvPr/>
-        </p:nvPicPr>
-        <p:blipFill>
-          <a:blip r:embed="rId2">
-            <a:extLst>
-              <a:ext uri="{96DAC541-7B7A-43D3-8B79-37D633B846F1}">
-                <asvg:svgBlip xmlns:asvg="http://schemas.microsoft.com/office/drawing/2016/SVG/main" r:embed="rId3"/>
-              </a:ext>
-            </a:extLst>
-          </a:blip>
-          <a:stretch>
-            <a:fillRect/>
-          </a:stretch>
-        </p:blipFill>
-        <p:spPr>
-          <a:xfrm>
-            <a:off x="3555521" y="2880306"/>
-            <a:ext cx="1866473" cy="1866473"/>
-          </a:xfrm>
-          <a:prstGeom prst="rect">
-            <a:avLst/>
-          </a:prstGeom>
-        </p:spPr>
-      </p:pic>
-      <p:pic>
-        <p:nvPicPr>
-          <p:cNvPr id="1026" name="Picture 2" descr="Co-curricular record approval logo">
-            <a:extLst>
-              <a:ext uri="{FF2B5EF4-FFF2-40B4-BE49-F238E27FC236}">
-                <a16:creationId xmlns:a16="http://schemas.microsoft.com/office/drawing/2014/main" id="{B21C3CDD-B849-1F66-A5B6-38B78BCAB0B1}"/>
-              </a:ext>
-            </a:extLst>
-          </p:cNvPr>
-          <p:cNvPicPr>
-            <a:picLocks noChangeAspect="1" noChangeArrowheads="1"/>
-          </p:cNvPicPr>
-          <p:nvPr/>
-        </p:nvPicPr>
-        <p:blipFill>
-          <a:blip r:embed="rId4">
-            <a:extLst>
-              <a:ext uri="{28A0092B-C50C-407E-A947-70E740481C1C}">
-                <a14:useLocalDpi xmlns:a14="http://schemas.microsoft.com/office/drawing/2010/main" val="0"/>
-              </a:ext>
-            </a:extLst>
-          </a:blip>
-          <a:srcRect/>
-          <a:stretch>
-            <a:fillRect/>
-          </a:stretch>
-        </p:blipFill>
-        <p:spPr bwMode="auto">
-          <a:xfrm>
-            <a:off x="6302815" y="3051542"/>
-            <a:ext cx="2032000" cy="1524000"/>
-          </a:xfrm>
-          <a:prstGeom prst="rect">
-            <a:avLst/>
-          </a:prstGeom>
-          <a:noFill/>
-          <a:extLst>
-            <a:ext uri="{909E8E84-426E-40DD-AFC4-6F175D3DCCD1}">
-              <a14:hiddenFill xmlns:a14="http://schemas.microsoft.com/office/drawing/2010/main">
-                <a:solidFill>
-                  <a:srgbClr val="FFFFFF"/>
-                </a:solidFill>
-              </a14:hiddenFill>
-            </a:ext>
-          </a:extLst>
-        </p:spPr>
-      </p:pic>
-      <p:pic>
-        <p:nvPicPr>
-          <p:cNvPr id="5" name="Picture 4">
-            <a:extLst>
-              <a:ext uri="{FF2B5EF4-FFF2-40B4-BE49-F238E27FC236}">
-                <a16:creationId xmlns:a16="http://schemas.microsoft.com/office/drawing/2014/main" id="{ED21FF63-C3A3-5474-C983-875579D1C471}"/>
-              </a:ext>
-            </a:extLst>
-          </p:cNvPr>
-          <p:cNvPicPr>
-            <a:picLocks noChangeAspect="1"/>
-          </p:cNvPicPr>
-          <p:nvPr/>
-        </p:nvPicPr>
-        <p:blipFill>
-          <a:blip r:embed="rId5"/>
-          <a:srcRect/>
-          <a:stretch/>
-        </p:blipFill>
-        <p:spPr>
-          <a:xfrm>
-            <a:off x="715377" y="2973156"/>
-            <a:ext cx="1959323" cy="1959323"/>
-          </a:xfrm>
-          <a:prstGeom prst="rect">
-            <a:avLst/>
-          </a:prstGeom>
-        </p:spPr>
-      </p:pic>
-    </p:spTree>
-    <p:extLst>
-      <p:ext uri="{BB962C8B-B14F-4D97-AF65-F5344CB8AC3E}">
-        <p14:creationId xmlns:p14="http://schemas.microsoft.com/office/powerpoint/2010/main" val="25426801"/>
-      </p:ext>
-    </p:extLst>
-  </p:cSld>
-  <p:clrMapOvr>
-    <a:masterClrMapping/>
-  </p:clrMapOvr>
 </p:sld>
 </file>
 
